--- a/LogoHome.pptx
+++ b/LogoHome.pptx
@@ -104,6 +104,11 @@
       </a:defRPr>
     </a:lvl9pPr>
   </p:defaultTextStyle>
+  <p:extLst>
+    <p:ext uri="{EFAFB233-063F-42B5-8137-9DF3F51BA10A}">
+      <p15:sldGuideLst xmlns:p15="http://schemas.microsoft.com/office/powerpoint/2012/main"/>
+    </p:ext>
+  </p:extLst>
 </p:presentation>
 </file>
 
@@ -254,7 +259,7 @@
           <a:p>
             <a:fld id="{5ACA8AF1-5548-4BE4-A232-700573B125A1}" type="datetimeFigureOut">
               <a:rPr lang="he-IL" smtClean="0"/>
-              <a:t>י"ז/אדר א/תשפ"ד</a:t>
+              <a:t>כ"ג/אדר א/תשפ"ד</a:t>
             </a:fld>
             <a:endParaRPr lang="he-IL"/>
           </a:p>
@@ -452,7 +457,7 @@
           <a:p>
             <a:fld id="{5ACA8AF1-5548-4BE4-A232-700573B125A1}" type="datetimeFigureOut">
               <a:rPr lang="he-IL" smtClean="0"/>
-              <a:t>י"ז/אדר א/תשפ"ד</a:t>
+              <a:t>כ"ג/אדר א/תשפ"ד</a:t>
             </a:fld>
             <a:endParaRPr lang="he-IL"/>
           </a:p>
@@ -660,7 +665,7 @@
           <a:p>
             <a:fld id="{5ACA8AF1-5548-4BE4-A232-700573B125A1}" type="datetimeFigureOut">
               <a:rPr lang="he-IL" smtClean="0"/>
-              <a:t>י"ז/אדר א/תשפ"ד</a:t>
+              <a:t>כ"ג/אדר א/תשפ"ד</a:t>
             </a:fld>
             <a:endParaRPr lang="he-IL"/>
           </a:p>
@@ -858,7 +863,7 @@
           <a:p>
             <a:fld id="{5ACA8AF1-5548-4BE4-A232-700573B125A1}" type="datetimeFigureOut">
               <a:rPr lang="he-IL" smtClean="0"/>
-              <a:t>י"ז/אדר א/תשפ"ד</a:t>
+              <a:t>כ"ג/אדר א/תשפ"ד</a:t>
             </a:fld>
             <a:endParaRPr lang="he-IL"/>
           </a:p>
@@ -1133,7 +1138,7 @@
           <a:p>
             <a:fld id="{5ACA8AF1-5548-4BE4-A232-700573B125A1}" type="datetimeFigureOut">
               <a:rPr lang="he-IL" smtClean="0"/>
-              <a:t>י"ז/אדר א/תשפ"ד</a:t>
+              <a:t>כ"ג/אדר א/תשפ"ד</a:t>
             </a:fld>
             <a:endParaRPr lang="he-IL"/>
           </a:p>
@@ -1398,7 +1403,7 @@
           <a:p>
             <a:fld id="{5ACA8AF1-5548-4BE4-A232-700573B125A1}" type="datetimeFigureOut">
               <a:rPr lang="he-IL" smtClean="0"/>
-              <a:t>י"ז/אדר א/תשפ"ד</a:t>
+              <a:t>כ"ג/אדר א/תשפ"ד</a:t>
             </a:fld>
             <a:endParaRPr lang="he-IL"/>
           </a:p>
@@ -1810,7 +1815,7 @@
           <a:p>
             <a:fld id="{5ACA8AF1-5548-4BE4-A232-700573B125A1}" type="datetimeFigureOut">
               <a:rPr lang="he-IL" smtClean="0"/>
-              <a:t>י"ז/אדר א/תשפ"ד</a:t>
+              <a:t>כ"ג/אדר א/תשפ"ד</a:t>
             </a:fld>
             <a:endParaRPr lang="he-IL"/>
           </a:p>
@@ -1951,7 +1956,7 @@
           <a:p>
             <a:fld id="{5ACA8AF1-5548-4BE4-A232-700573B125A1}" type="datetimeFigureOut">
               <a:rPr lang="he-IL" smtClean="0"/>
-              <a:t>י"ז/אדר א/תשפ"ד</a:t>
+              <a:t>כ"ג/אדר א/תשפ"ד</a:t>
             </a:fld>
             <a:endParaRPr lang="he-IL"/>
           </a:p>
@@ -2064,7 +2069,7 @@
           <a:p>
             <a:fld id="{5ACA8AF1-5548-4BE4-A232-700573B125A1}" type="datetimeFigureOut">
               <a:rPr lang="he-IL" smtClean="0"/>
-              <a:t>י"ז/אדר א/תשפ"ד</a:t>
+              <a:t>כ"ג/אדר א/תשפ"ד</a:t>
             </a:fld>
             <a:endParaRPr lang="he-IL"/>
           </a:p>
@@ -2375,7 +2380,7 @@
           <a:p>
             <a:fld id="{5ACA8AF1-5548-4BE4-A232-700573B125A1}" type="datetimeFigureOut">
               <a:rPr lang="he-IL" smtClean="0"/>
-              <a:t>י"ז/אדר א/תשפ"ד</a:t>
+              <a:t>כ"ג/אדר א/תשפ"ד</a:t>
             </a:fld>
             <a:endParaRPr lang="he-IL"/>
           </a:p>
@@ -2663,7 +2668,7 @@
           <a:p>
             <a:fld id="{5ACA8AF1-5548-4BE4-A232-700573B125A1}" type="datetimeFigureOut">
               <a:rPr lang="he-IL" smtClean="0"/>
-              <a:t>י"ז/אדר א/תשפ"ד</a:t>
+              <a:t>כ"ג/אדר א/תשפ"ד</a:t>
             </a:fld>
             <a:endParaRPr lang="he-IL"/>
           </a:p>
@@ -2904,7 +2909,7 @@
           <a:p>
             <a:fld id="{5ACA8AF1-5548-4BE4-A232-700573B125A1}" type="datetimeFigureOut">
               <a:rPr lang="he-IL" smtClean="0"/>
-              <a:t>י"ז/אדר א/תשפ"ד</a:t>
+              <a:t>כ"ג/אדר א/תשפ"ד</a:t>
             </a:fld>
             <a:endParaRPr lang="he-IL"/>
           </a:p>
@@ -3842,6 +3847,69 @@
           </a:prstGeom>
         </p:spPr>
       </p:pic>
+      <p:pic>
+        <p:nvPicPr>
+          <p:cNvPr id="3" name="תמונה 2">
+            <a:extLst>
+              <a:ext uri="{FF2B5EF4-FFF2-40B4-BE49-F238E27FC236}">
+                <a16:creationId xmlns:a16="http://schemas.microsoft.com/office/drawing/2014/main" id="{31A39E66-5C12-43D8-9477-C466097BE435}"/>
+              </a:ext>
+            </a:extLst>
+          </p:cNvPr>
+          <p:cNvPicPr>
+            <a:picLocks noChangeAspect="1"/>
+          </p:cNvPicPr>
+          <p:nvPr/>
+        </p:nvPicPr>
+        <p:blipFill>
+          <a:blip r:embed="rId8">
+            <a:extLst>
+              <a:ext uri="{BEBA8EAE-BF5A-486C-A8C5-ECC9F3942E4B}">
+                <a14:imgProps xmlns:a14="http://schemas.microsoft.com/office/drawing/2010/main">
+                  <a14:imgLayer r:embed="rId9">
+                    <a14:imgEffect>
+                      <a14:backgroundRemoval t="9896" b="89974" l="6875" r="93125">
+                        <a14:foregroundMark x1="26979" y1="34635" x2="26979" y2="34635"/>
+                        <a14:foregroundMark x1="15625" y1="29557" x2="15625" y2="29557"/>
+                        <a14:foregroundMark x1="6875" y1="24349" x2="6875" y2="24349"/>
+                        <a14:foregroundMark x1="40833" y1="66276" x2="40833" y2="66276"/>
+                        <a14:foregroundMark x1="71771" y1="68750" x2="71771" y2="68750"/>
+                        <a14:foregroundMark x1="87500" y1="71745" x2="87500" y2="71745"/>
+                        <a14:foregroundMark x1="93125" y1="65625" x2="93125" y2="65625"/>
+                        <a14:foregroundMark x1="76458" y1="48828" x2="76458" y2="48828"/>
+                        <a14:foregroundMark x1="46771" y1="24609" x2="46771" y2="24609"/>
+                        <a14:foregroundMark x1="15937" y1="26042" x2="15937" y2="26042"/>
+                        <a14:foregroundMark x1="43958" y1="28646" x2="43958" y2="28646"/>
+                        <a14:foregroundMark x1="45729" y1="24089" x2="45521" y2="24479"/>
+                        <a14:backgroundMark x1="59688" y1="52474" x2="59688" y2="52474"/>
+                        <a14:backgroundMark x1="54375" y1="55339" x2="54375" y2="55339"/>
+                        <a14:backgroundMark x1="59583" y1="64714" x2="59583" y2="64714"/>
+                        <a14:backgroundMark x1="45938" y1="25521" x2="45938" y2="25521"/>
+                        <a14:backgroundMark x1="46146" y1="24870" x2="46146" y2="24870"/>
+                      </a14:backgroundRemoval>
+                    </a14:imgEffect>
+                  </a14:imgLayer>
+                </a14:imgProps>
+              </a:ext>
+              <a:ext uri="{28A0092B-C50C-407E-A947-70E740481C1C}">
+                <a14:useLocalDpi xmlns:a14="http://schemas.microsoft.com/office/drawing/2010/main" val="0"/>
+              </a:ext>
+            </a:extLst>
+          </a:blip>
+          <a:stretch>
+            <a:fillRect/>
+          </a:stretch>
+        </p:blipFill>
+        <p:spPr>
+          <a:xfrm>
+            <a:off x="7190343" y="2807837"/>
+            <a:ext cx="4898553" cy="3918842"/>
+          </a:xfrm>
+          <a:prstGeom prst="rect">
+            <a:avLst/>
+          </a:prstGeom>
+        </p:spPr>
+      </p:pic>
     </p:spTree>
     <p:extLst>
       <p:ext uri="{BB962C8B-B14F-4D97-AF65-F5344CB8AC3E}">
